--- a/Programming with C#/5. C# Data Structures and Algorithms/07. Sorting and Searching Algorithms/Sorting and Searching Algorithms.pptx
+++ b/Programming with C#/5. C# Data Structures and Algorithms/07. Sorting and Searching Algorithms/Sorting and Searching Algorithms.pptx
@@ -380,7 +380,7 @@
             <a:fld id="{3BF7C7B5-275F-4D1F-9AB4-9255447DBC73}" type="datetimeFigureOut">
               <a:rPr lang="en-US"/>
               <a:pPr/>
-              <a:t>6/7/2013</a:t>
+              <a:t>8/29/2014</a:t>
             </a:fld>
             <a:endParaRPr lang="en-US" dirty="0"/>
           </a:p>
@@ -611,7 +611,7 @@
             <a:fld id="{9B46F231-FB2B-4655-A644-E2477325E686}" type="datetimeFigureOut">
               <a:rPr lang="en-US"/>
               <a:pPr/>
-              <a:t>6/7/2013</a:t>
+              <a:t>8/29/2014</a:t>
             </a:fld>
             <a:endParaRPr lang="en-US" dirty="0"/>
           </a:p>
@@ -6079,166 +6079,6 @@
           </a:p>
         </p:txBody>
       </p:sp>
-      <p:sp>
-        <p:nvSpPr>
-          <p:cNvPr id="14" name="Text Placeholder 4"/>
-          <p:cNvSpPr>
-            <a:spLocks noGrp="1"/>
-          </p:cNvSpPr>
-          <p:nvPr>
-            <p:ph type="body" sz="quarter" idx="10"/>
-          </p:nvPr>
-        </p:nvSpPr>
-        <p:spPr>
-          <a:xfrm>
-            <a:off x="419099" y="4495800"/>
-            <a:ext cx="3853295" cy="533400"/>
-          </a:xfrm>
-        </p:spPr>
-        <p:txBody>
-          <a:bodyPr/>
-          <a:lstStyle/>
-          <a:p>
-            <a:r>
-              <a:rPr lang="en-US" dirty="0" smtClean="0"/>
-              <a:t>Nikolay </a:t>
-            </a:r>
-            <a:r>
-              <a:rPr lang="en-US" noProof="1" smtClean="0"/>
-              <a:t>Kostov</a:t>
-            </a:r>
-            <a:endParaRPr lang="en-US" noProof="1"/>
-          </a:p>
-        </p:txBody>
-      </p:sp>
-      <p:sp>
-        <p:nvSpPr>
-          <p:cNvPr id="15" name="Text Placeholder 5"/>
-          <p:cNvSpPr>
-            <a:spLocks noGrp="1"/>
-          </p:cNvSpPr>
-          <p:nvPr>
-            <p:ph type="body" sz="quarter" idx="11"/>
-          </p:nvPr>
-        </p:nvSpPr>
-        <p:spPr>
-          <a:xfrm>
-            <a:off x="457200" y="5955268"/>
-            <a:ext cx="3810000" cy="369332"/>
-          </a:xfrm>
-        </p:spPr>
-        <p:txBody>
-          <a:bodyPr/>
-          <a:lstStyle/>
-          <a:p>
-            <a:r>
-              <a:rPr lang="en-US" dirty="0" smtClean="0"/>
-              <a:t>Telerik Software Academy</a:t>
-            </a:r>
-            <a:endParaRPr lang="en-US" dirty="0"/>
-          </a:p>
-        </p:txBody>
-      </p:sp>
-      <p:sp>
-        <p:nvSpPr>
-          <p:cNvPr id="16" name="Text Placeholder 6"/>
-          <p:cNvSpPr>
-            <a:spLocks noGrp="1"/>
-          </p:cNvSpPr>
-          <p:nvPr>
-            <p:ph type="body" sz="quarter" idx="12"/>
-          </p:nvPr>
-        </p:nvSpPr>
-        <p:spPr>
-          <a:xfrm>
-            <a:off x="457200" y="6214646"/>
-            <a:ext cx="3810000" cy="338554"/>
-          </a:xfrm>
-        </p:spPr>
-        <p:txBody>
-          <a:bodyPr/>
-          <a:lstStyle/>
-          <a:p>
-            <a:r>
-              <a:rPr lang="en-US" dirty="0" smtClean="0">
-                <a:hlinkClick r:id="rId3"/>
-              </a:rPr>
-              <a:t>academy.telerik.com</a:t>
-            </a:r>
-            <a:r>
-              <a:rPr lang="en-US" dirty="0" smtClean="0"/>
-              <a:t>   </a:t>
-            </a:r>
-            <a:endParaRPr lang="en-US" dirty="0"/>
-          </a:p>
-        </p:txBody>
-      </p:sp>
-      <p:sp>
-        <p:nvSpPr>
-          <p:cNvPr id="4" name="Text Placeholder 3"/>
-          <p:cNvSpPr>
-            <a:spLocks noGrp="1"/>
-          </p:cNvSpPr>
-          <p:nvPr>
-            <p:ph type="body" sz="quarter" idx="13"/>
-          </p:nvPr>
-        </p:nvSpPr>
-        <p:spPr>
-          <a:xfrm>
-            <a:off x="431800" y="4914781"/>
-            <a:ext cx="3838864" cy="800219"/>
-          </a:xfrm>
-        </p:spPr>
-        <p:txBody>
-          <a:bodyPr/>
-          <a:lstStyle/>
-          <a:p>
-            <a:pPr marL="0" indent="0"/>
-            <a:r>
-              <a:rPr lang="en-US" dirty="0" smtClean="0"/>
-              <a:t>Senior Software Developer</a:t>
-            </a:r>
-            <a:br>
-              <a:rPr lang="en-US" dirty="0" smtClean="0"/>
-            </a:br>
-            <a:r>
-              <a:rPr lang="en-US" dirty="0" smtClean="0"/>
-              <a:t>and Technical Trainer</a:t>
-            </a:r>
-            <a:endParaRPr lang="en-US" dirty="0"/>
-          </a:p>
-        </p:txBody>
-      </p:sp>
-      <p:sp>
-        <p:nvSpPr>
-          <p:cNvPr id="6" name="Text Placeholder 5"/>
-          <p:cNvSpPr>
-            <a:spLocks noGrp="1"/>
-          </p:cNvSpPr>
-          <p:nvPr>
-            <p:ph type="body" sz="quarter" idx="14"/>
-          </p:nvPr>
-        </p:nvSpPr>
-        <p:spPr>
-          <a:xfrm>
-            <a:off x="457200" y="5650468"/>
-            <a:ext cx="3810000" cy="369332"/>
-          </a:xfrm>
-        </p:spPr>
-        <p:txBody>
-          <a:bodyPr/>
-          <a:lstStyle/>
-          <a:p>
-            <a:r>
-              <a:rPr lang="en-US" sz="1800" dirty="0" smtClean="0">
-                <a:hlinkClick r:id="rId4"/>
-              </a:rPr>
-              <a:t>http://Nikolay.IT</a:t>
-            </a:r>
-            <a:endParaRPr lang="en-US" sz="1800" dirty="0"/>
-          </a:p>
-        </p:txBody>
-      </p:sp>
       <p:pic>
         <p:nvPicPr>
           <p:cNvPr id="17" name="Picture 5"/>
@@ -6248,7 +6088,7 @@
           <p:nvPr/>
         </p:nvPicPr>
         <p:blipFill>
-          <a:blip r:embed="rId5">
+          <a:blip r:embed="rId3">
             <a:extLst>
               <a:ext uri="{28A0092B-C50C-407E-A947-70E740481C1C}">
                 <a14:useLocalDpi xmlns:a14="http://schemas.microsoft.com/office/drawing/2010/main"/>
@@ -6262,7 +6102,7 @@
         </p:blipFill>
         <p:spPr bwMode="auto">
           <a:xfrm>
-            <a:off x="4343400" y="4476997"/>
+            <a:off x="4685840" y="4734443"/>
             <a:ext cx="1763490" cy="1923803"/>
           </a:xfrm>
           <a:prstGeom prst="rect">
@@ -6312,7 +6152,7 @@
           <p:nvPr/>
         </p:nvPicPr>
         <p:blipFill>
-          <a:blip r:embed="rId6">
+          <a:blip r:embed="rId4">
             <a:duotone>
               <a:prstClr val="black"/>
               <a:schemeClr val="bg1">
@@ -6385,7 +6225,7 @@
           <p:nvPr/>
         </p:nvPicPr>
         <p:blipFill>
-          <a:blip r:embed="rId7">
+          <a:blip r:embed="rId5">
             <a:extLst>
               <a:ext uri="{28A0092B-C50C-407E-A947-70E740481C1C}">
                 <a14:useLocalDpi xmlns:a14="http://schemas.microsoft.com/office/drawing/2010/main" val="0"/>
@@ -6426,7 +6266,7 @@
           <p:nvPr/>
         </p:nvPicPr>
         <p:blipFill>
-          <a:blip r:embed="rId8">
+          <a:blip r:embed="rId6">
             <a:duotone>
               <a:prstClr val="black"/>
               <a:schemeClr val="bg1">
@@ -6437,7 +6277,7 @@
             <a:extLst>
               <a:ext uri="{BEBA8EAE-BF5A-486C-A8C5-ECC9F3942E4B}">
                 <a14:imgProps xmlns:a14="http://schemas.microsoft.com/office/drawing/2010/main">
-                  <a14:imgLayer r:embed="rId9">
+                  <a14:imgLayer r:embed="rId7">
                     <a14:imgEffect>
                       <a14:saturation sat="0"/>
                     </a14:imgEffect>
@@ -6485,6 +6325,121 @@
           </a:extLst>
         </p:spPr>
       </p:pic>
+      <p:sp>
+        <p:nvSpPr>
+          <p:cNvPr id="21" name="Text Placeholder 27"/>
+          <p:cNvSpPr>
+            <a:spLocks noGrp="1"/>
+          </p:cNvSpPr>
+          <p:nvPr>
+            <p:ph type="body" sz="quarter" idx="12"/>
+          </p:nvPr>
+        </p:nvSpPr>
+        <p:spPr>
+          <a:xfrm>
+            <a:off x="457199" y="5121649"/>
+            <a:ext cx="4621676" cy="461665"/>
+          </a:xfrm>
+        </p:spPr>
+        <p:txBody>
+          <a:bodyPr/>
+          <a:lstStyle/>
+          <a:p>
+            <a:pPr marL="0" indent="0" eaLnBrk="1" hangingPunct="1">
+              <a:spcBef>
+                <a:spcPct val="20000"/>
+              </a:spcBef>
+            </a:pPr>
+            <a:r>
+              <a:rPr lang="en-US" sz="2400" dirty="0">
+                <a:solidFill>
+                  <a:schemeClr val="tx2">
+                    <a:lumMod val="50000"/>
+                  </a:schemeClr>
+                </a:solidFill>
+              </a:rPr>
+              <a:t>Data Structures and Algorithms</a:t>
+            </a:r>
+          </a:p>
+        </p:txBody>
+      </p:sp>
+      <p:sp>
+        <p:nvSpPr>
+          <p:cNvPr id="22" name="Text Placeholder 28"/>
+          <p:cNvSpPr>
+            <a:spLocks noGrp="1"/>
+          </p:cNvSpPr>
+          <p:nvPr>
+            <p:ph type="body" sz="quarter" idx="10"/>
+          </p:nvPr>
+        </p:nvSpPr>
+        <p:spPr>
+          <a:xfrm>
+            <a:off x="457199" y="5496290"/>
+            <a:ext cx="3990513" cy="400110"/>
+          </a:xfrm>
+        </p:spPr>
+        <p:txBody>
+          <a:bodyPr/>
+          <a:lstStyle/>
+          <a:p>
+            <a:pPr eaLnBrk="1" hangingPunct="1">
+              <a:spcBef>
+                <a:spcPct val="20000"/>
+              </a:spcBef>
+            </a:pPr>
+            <a:r>
+              <a:rPr lang="en-US" sz="2000" dirty="0">
+                <a:solidFill>
+                  <a:schemeClr val="tx2">
+                    <a:lumMod val="20000"/>
+                    <a:lumOff val="80000"/>
+                  </a:schemeClr>
+                </a:solidFill>
+              </a:rPr>
+              <a:t>Telerik Software Academy</a:t>
+            </a:r>
+          </a:p>
+        </p:txBody>
+      </p:sp>
+      <p:sp>
+        <p:nvSpPr>
+          <p:cNvPr id="23" name="Text Placeholder 29"/>
+          <p:cNvSpPr>
+            <a:spLocks noGrp="1"/>
+          </p:cNvSpPr>
+          <p:nvPr>
+            <p:ph type="body" sz="quarter" idx="11"/>
+          </p:nvPr>
+        </p:nvSpPr>
+        <p:spPr>
+          <a:xfrm>
+            <a:off x="457199" y="5801090"/>
+            <a:ext cx="3990513" cy="369332"/>
+          </a:xfrm>
+        </p:spPr>
+        <p:txBody>
+          <a:bodyPr/>
+          <a:lstStyle/>
+          <a:p>
+            <a:pPr marL="319088" indent="-319088" eaLnBrk="1" hangingPunct="1">
+              <a:spcBef>
+                <a:spcPct val="20000"/>
+              </a:spcBef>
+            </a:pPr>
+            <a:r>
+              <a:rPr lang="en-US" dirty="0">
+                <a:hlinkClick r:id="rId8"/>
+              </a:rPr>
+              <a:t>http://academy.telerik.com</a:t>
+            </a:r>
+            <a:r>
+              <a:rPr lang="en-US" dirty="0"/>
+              <a:t> </a:t>
+            </a:r>
+          </a:p>
+        </p:txBody>
+      </p:sp>
     </p:spTree>
     <p:extLst>
       <p:ext uri="{BB962C8B-B14F-4D97-AF65-F5344CB8AC3E}">
@@ -10237,11 +10192,7 @@
           <a:p>
             <a:r>
               <a:rPr lang="en-US" dirty="0" smtClean="0"/>
-              <a:t>Stable: </a:t>
-            </a:r>
-            <a:r>
-              <a:rPr lang="en-US" dirty="0" smtClean="0"/>
-              <a:t>Yes</a:t>
+              <a:t>Stable: Yes</a:t>
             </a:r>
             <a:endParaRPr lang="bg-BG" dirty="0" smtClean="0"/>
           </a:p>
@@ -22149,8 +22100,12 @@
               </a:spcAft>
             </a:pPr>
             <a:r>
+              <a:rPr lang="en-US" dirty="0" smtClean="0"/>
+              <a:t>Producing </a:t>
+            </a:r>
+            <a:r>
               <a:rPr lang="en-US" dirty="0"/>
-              <a:t>producing human-readable output</a:t>
+              <a:t>human-readable output</a:t>
             </a:r>
           </a:p>
           <a:p>
@@ -22164,7 +22119,7 @@
             </a:pPr>
             <a:r>
               <a:rPr lang="en-US" dirty="0" err="1" smtClean="0"/>
-              <a:t>canonicalizing</a:t>
+              <a:t>Canonicalizing</a:t>
             </a:r>
             <a:r>
               <a:rPr lang="en-US" dirty="0" smtClean="0"/>
@@ -22187,7 +22142,7 @@
             </a:pPr>
             <a:r>
               <a:rPr lang="en-US" dirty="0" smtClean="0"/>
-              <a:t>optimizing </a:t>
+              <a:t>Optimizing </a:t>
             </a:r>
             <a:r>
               <a:rPr lang="en-US" dirty="0"/>
